--- a/presentations/week1.pptx
+++ b/presentations/week1.pptx
@@ -511,7 +511,7 @@
           <a:p>
             <a:fld id="{C128FA71-3A18-48C0-980F-4B68F7F63042}" type="datetime1">
               <a:rPr lang="en-US" smtClean="0"/>
-              <a:t>3/29/2025</a:t>
+              <a:t>4/4/2025</a:t>
             </a:fld>
             <a:endParaRPr lang="en-US"/>
           </a:p>
@@ -719,7 +719,7 @@
           <a:p>
             <a:fld id="{7104EDB3-C0E8-45F8-9E1D-1B6C8D1880C0}" type="datetime1">
               <a:rPr lang="en-US" smtClean="0"/>
-              <a:t>3/29/2025</a:t>
+              <a:t>4/4/2025</a:t>
             </a:fld>
             <a:endParaRPr lang="en-US"/>
           </a:p>
@@ -929,7 +929,7 @@
           <a:p>
             <a:fld id="{9CF0EC4B-54ED-4041-B552-9BA760FA3DBA}" type="datetime1">
               <a:rPr lang="en-US" smtClean="0"/>
-              <a:t>3/29/2025</a:t>
+              <a:t>4/4/2025</a:t>
             </a:fld>
             <a:endParaRPr lang="en-US"/>
           </a:p>
@@ -1127,7 +1127,7 @@
           <a:p>
             <a:fld id="{51C1210E-201E-4473-82AC-2466F5386C38}" type="datetime1">
               <a:rPr lang="en-US" smtClean="0"/>
-              <a:t>3/29/2025</a:t>
+              <a:t>4/4/2025</a:t>
             </a:fld>
             <a:endParaRPr lang="en-US"/>
           </a:p>
@@ -1405,7 +1405,7 @@
           <a:p>
             <a:fld id="{B01EA198-6CAB-4B8F-B93F-1F9C8C4B6CE7}" type="datetime1">
               <a:rPr lang="en-US" smtClean="0"/>
-              <a:t>3/29/2025</a:t>
+              <a:t>4/4/2025</a:t>
             </a:fld>
             <a:endParaRPr lang="en-US"/>
           </a:p>
@@ -1677,7 +1677,7 @@
           <a:p>
             <a:fld id="{CA06041F-4525-44D5-AA4F-332294BF1F56}" type="datetime1">
               <a:rPr lang="en-US" smtClean="0"/>
-              <a:t>3/29/2025</a:t>
+              <a:t>4/4/2025</a:t>
             </a:fld>
             <a:endParaRPr lang="en-US"/>
           </a:p>
@@ -2101,7 +2101,7 @@
           <a:p>
             <a:fld id="{F9557091-BBDF-4EB9-BA6B-2BB67AC4FC0F}" type="datetime1">
               <a:rPr lang="en-US" smtClean="0"/>
-              <a:t>3/29/2025</a:t>
+              <a:t>4/4/2025</a:t>
             </a:fld>
             <a:endParaRPr lang="en-US"/>
           </a:p>
@@ -2242,7 +2242,7 @@
           <a:p>
             <a:fld id="{2D6B226B-77A6-410C-9796-083F278E0125}" type="datetime1">
               <a:rPr lang="en-US" smtClean="0"/>
-              <a:t>3/29/2025</a:t>
+              <a:t>4/4/2025</a:t>
             </a:fld>
             <a:endParaRPr lang="en-US"/>
           </a:p>
@@ -2355,7 +2355,7 @@
           <a:p>
             <a:fld id="{A23A578B-D289-4C40-8593-3D356C49DA58}" type="datetime1">
               <a:rPr lang="en-US" smtClean="0"/>
-              <a:t>3/29/2025</a:t>
+              <a:t>4/4/2025</a:t>
             </a:fld>
             <a:endParaRPr lang="en-US"/>
           </a:p>
@@ -2674,7 +2674,7 @@
           <a:p>
             <a:fld id="{713DFAE3-14DB-48A7-A80F-80DDB072CE3D}" type="datetime1">
               <a:rPr lang="en-US" smtClean="0"/>
-              <a:t>3/29/2025</a:t>
+              <a:t>4/4/2025</a:t>
             </a:fld>
             <a:endParaRPr lang="en-US"/>
           </a:p>
@@ -2968,7 +2968,7 @@
           <a:p>
             <a:fld id="{92C5EAEF-6478-4102-8F5D-A5FE9FC97ACB}" type="datetime1">
               <a:rPr lang="en-US" smtClean="0"/>
-              <a:t>3/29/2025</a:t>
+              <a:t>4/4/2025</a:t>
             </a:fld>
             <a:endParaRPr lang="en-US"/>
           </a:p>
@@ -3209,7 +3209,7 @@
           <a:p>
             <a:fld id="{67F45AC6-C491-4585-A584-9CE2AF7D5500}" type="datetime1">
               <a:rPr lang="en-US" smtClean="0"/>
-              <a:t>3/29/2025</a:t>
+              <a:t>4/4/2025</a:t>
             </a:fld>
             <a:endParaRPr lang="en-US"/>
           </a:p>
@@ -3816,7 +3816,23 @@
                   <a:srgbClr val="FFFFFF"/>
                 </a:solidFill>
               </a:rPr>
-              <a:t>Etgar 18 - 2025</a:t>
+              <a:t>Etgar </a:t>
+            </a:r>
+            <a:r>
+              <a:rPr lang="en-US" sz="2200">
+                <a:solidFill>
+                  <a:srgbClr val="FFFFFF"/>
+                </a:solidFill>
+              </a:rPr>
+              <a:t>18 and 19 </a:t>
+            </a:r>
+            <a:r>
+              <a:rPr lang="en-US" sz="2200" dirty="0">
+                <a:solidFill>
+                  <a:srgbClr val="FFFFFF"/>
+                </a:solidFill>
+              </a:rPr>
+              <a:t>- 2025</a:t>
             </a:r>
             <a:endParaRPr lang="en-150" sz="2200" dirty="0">
               <a:solidFill>
@@ -4435,8 +4451,8 @@
           </a:p>
         </p:txBody>
       </p:sp>
-      <mc:AlternateContent xmlns:mc="http://schemas.openxmlformats.org/markup-compatibility/2006">
-        <mc:Choice xmlns:a14="http://schemas.microsoft.com/office/drawing/2010/main" Requires="a14">
+      <mc:AlternateContent xmlns:mc="http://schemas.openxmlformats.org/markup-compatibility/2006" xmlns:a14="http://schemas.microsoft.com/office/drawing/2010/main">
+        <mc:Choice Requires="a14">
           <p:sp>
             <p:nvSpPr>
               <p:cNvPr id="3" name="Content Placeholder 2">
@@ -4688,7 +4704,7 @@
             </p:txBody>
           </p:sp>
         </mc:Choice>
-        <mc:Fallback>
+        <mc:Fallback xmlns="">
           <p:sp>
             <p:nvSpPr>
               <p:cNvPr id="3" name="Content Placeholder 2">
@@ -4909,8 +4925,8 @@
           </a:p>
         </p:txBody>
       </p:sp>
-      <mc:AlternateContent xmlns:mc="http://schemas.openxmlformats.org/markup-compatibility/2006">
-        <mc:Choice xmlns:a14="http://schemas.microsoft.com/office/drawing/2010/main" Requires="a14">
+      <mc:AlternateContent xmlns:mc="http://schemas.openxmlformats.org/markup-compatibility/2006" xmlns:a14="http://schemas.microsoft.com/office/drawing/2010/main">
+        <mc:Choice Requires="a14">
           <p:sp>
             <p:nvSpPr>
               <p:cNvPr id="3" name="Content Placeholder 2">
@@ -5280,7 +5296,7 @@
             </p:txBody>
           </p:sp>
         </mc:Choice>
-        <mc:Fallback>
+        <mc:Fallback xmlns="">
           <p:sp>
             <p:nvSpPr>
               <p:cNvPr id="3" name="Content Placeholder 2">
@@ -5410,8 +5426,8 @@
           </a:p>
         </p:txBody>
       </p:sp>
-      <mc:AlternateContent xmlns:mc="http://schemas.openxmlformats.org/markup-compatibility/2006">
-        <mc:Choice xmlns:a14="http://schemas.microsoft.com/office/drawing/2010/main" Requires="a14">
+      <mc:AlternateContent xmlns:mc="http://schemas.openxmlformats.org/markup-compatibility/2006" xmlns:a14="http://schemas.microsoft.com/office/drawing/2010/main">
+        <mc:Choice Requires="a14">
           <p:sp>
             <p:nvSpPr>
               <p:cNvPr id="3" name="Content Placeholder 2">
@@ -5839,7 +5855,7 @@
             </p:txBody>
           </p:sp>
         </mc:Choice>
-        <mc:Fallback>
+        <mc:Fallback xmlns="">
           <p:sp>
             <p:nvSpPr>
               <p:cNvPr id="3" name="Content Placeholder 2">
@@ -5939,8 +5955,8 @@
           </a:p>
         </p:txBody>
       </p:sp>
-      <mc:AlternateContent xmlns:mc="http://schemas.openxmlformats.org/markup-compatibility/2006">
-        <mc:Choice xmlns:a14="http://schemas.microsoft.com/office/drawing/2010/main" Requires="a14">
+      <mc:AlternateContent xmlns:mc="http://schemas.openxmlformats.org/markup-compatibility/2006" xmlns:a14="http://schemas.microsoft.com/office/drawing/2010/main">
+        <mc:Choice Requires="a14">
           <p:sp>
             <p:nvSpPr>
               <p:cNvPr id="3" name="Content Placeholder 2">
@@ -6455,7 +6471,7 @@
             </p:txBody>
           </p:sp>
         </mc:Choice>
-        <mc:Fallback>
+        <mc:Fallback xmlns="">
           <p:sp>
             <p:nvSpPr>
               <p:cNvPr id="3" name="Content Placeholder 2">
